--- a/Java_Script/03_music_player/music_player_ns.pptx
+++ b/Java_Script/03_music_player/music_player_ns.pptx
@@ -8,7 +8,7 @@
     <p:notesMasterId r:id="rId9"/>
   </p:notesMasterIdLst>
   <p:handoutMasterIdLst>
-    <p:handoutMasterId r:id="rId26"/>
+    <p:handoutMasterId r:id="rId32"/>
   </p:handoutMasterIdLst>
   <p:sldIdLst>
     <p:sldId id="256" r:id="rId3"/>
@@ -33,6 +33,12 @@
     <p:sldId id="288" r:id="rId23"/>
     <p:sldId id="287" r:id="rId24"/>
     <p:sldId id="276" r:id="rId25"/>
+    <p:sldId id="294" r:id="rId26"/>
+    <p:sldId id="295" r:id="rId27"/>
+    <p:sldId id="296" r:id="rId28"/>
+    <p:sldId id="297" r:id="rId29"/>
+    <p:sldId id="300" r:id="rId30"/>
+    <p:sldId id="301" r:id="rId31"/>
   </p:sldIdLst>
   <p:sldSz cx="12192000" cy="6858000"/>
   <p:notesSz cx="6858000" cy="9144000"/>
@@ -7411,6 +7417,1459 @@
 </p:sld>
 </file>
 
+<file path=ppt/slides/slide23.xml><?xml version="1.0" encoding="utf-8"?>
+<p:sld xmlns:a="http://schemas.openxmlformats.org/drawingml/2006/main" xmlns:r="http://schemas.openxmlformats.org/officeDocument/2006/relationships" xmlns:p="http://schemas.openxmlformats.org/presentationml/2006/main">
+  <p:cSld>
+    <p:spTree>
+      <p:nvGrpSpPr>
+        <p:cNvPr id="1" name=""/>
+        <p:cNvGrpSpPr/>
+        <p:nvPr/>
+      </p:nvGrpSpPr>
+      <p:grpSpPr/>
+      <p:sp>
+        <p:nvSpPr>
+          <p:cNvPr id="6" name="Text Box 5"/>
+          <p:cNvSpPr txBox="1"/>
+          <p:nvPr/>
+        </p:nvSpPr>
+        <p:spPr>
+          <a:xfrm>
+            <a:off x="1566545" y="491490"/>
+            <a:ext cx="3835400" cy="2030095"/>
+          </a:xfrm>
+          <a:prstGeom prst="rect">
+            <a:avLst/>
+          </a:prstGeom>
+          <a:noFill/>
+        </p:spPr>
+        <p:txBody>
+          <a:bodyPr wrap="none" rtlCol="0">
+            <a:spAutoFit/>
+          </a:bodyPr>
+          <a:p>
+            <a:pPr marL="342900" indent="-342900" algn="l">
+              <a:buAutoNum type="arabicPeriod"/>
+            </a:pPr>
+            <a:r>
+              <a:rPr lang="en-US">
+                <a:sym typeface="+mn-ea"/>
+              </a:rPr>
+              <a:t>Home - display all songs</a:t>
+            </a:r>
+            <a:endParaRPr lang="en-US"/>
+          </a:p>
+          <a:p>
+            <a:pPr marL="342900" indent="-342900" algn="l">
+              <a:buAutoNum type="arabicPeriod"/>
+            </a:pPr>
+            <a:endParaRPr lang="en-US"/>
+          </a:p>
+          <a:p>
+            <a:pPr marL="342900" indent="-342900" algn="l">
+              <a:buAutoNum type="arabicPeriod"/>
+            </a:pPr>
+            <a:r>
+              <a:rPr lang="en-US"/>
+              <a:t>Search - searh for all songs, or artist</a:t>
+            </a:r>
+            <a:endParaRPr lang="en-US"/>
+          </a:p>
+          <a:p>
+            <a:pPr marL="342900" indent="-342900" algn="l">
+              <a:buAutoNum type="arabicPeriod"/>
+            </a:pPr>
+            <a:r>
+              <a:rPr lang="en-US"/>
+              <a:t>Filter by artist:</a:t>
+            </a:r>
+            <a:endParaRPr lang="en-US"/>
+          </a:p>
+          <a:p>
+            <a:pPr indent="0" algn="l">
+              <a:buNone/>
+            </a:pPr>
+            <a:r>
+              <a:rPr lang="en-US"/>
+              <a:t>	2.1 check-box</a:t>
+            </a:r>
+            <a:endParaRPr lang="en-US"/>
+          </a:p>
+          <a:p>
+            <a:pPr indent="0" algn="l">
+              <a:buNone/>
+            </a:pPr>
+            <a:endParaRPr lang="en-US"/>
+          </a:p>
+          <a:p>
+            <a:pPr indent="0">
+              <a:buNone/>
+            </a:pPr>
+            <a:endParaRPr lang="en-US"/>
+          </a:p>
+        </p:txBody>
+      </p:sp>
+      <p:pic>
+        <p:nvPicPr>
+          <p:cNvPr id="2" name="Picture 1"/>
+          <p:cNvPicPr>
+            <a:picLocks noChangeAspect="1"/>
+          </p:cNvPicPr>
+          <p:nvPr/>
+        </p:nvPicPr>
+        <p:blipFill>
+          <a:blip r:embed="rId1"/>
+          <a:stretch>
+            <a:fillRect/>
+          </a:stretch>
+        </p:blipFill>
+        <p:spPr>
+          <a:xfrm>
+            <a:off x="6464935" y="0"/>
+            <a:ext cx="3352800" cy="777240"/>
+          </a:xfrm>
+          <a:prstGeom prst="rect">
+            <a:avLst/>
+          </a:prstGeom>
+        </p:spPr>
+      </p:pic>
+      <p:pic>
+        <p:nvPicPr>
+          <p:cNvPr id="4" name="Picture 3"/>
+          <p:cNvPicPr>
+            <a:picLocks noChangeAspect="1"/>
+          </p:cNvPicPr>
+          <p:nvPr/>
+        </p:nvPicPr>
+        <p:blipFill>
+          <a:blip r:embed="rId2"/>
+          <a:stretch>
+            <a:fillRect/>
+          </a:stretch>
+        </p:blipFill>
+        <p:spPr>
+          <a:xfrm>
+            <a:off x="6464935" y="925195"/>
+            <a:ext cx="2910840" cy="541020"/>
+          </a:xfrm>
+          <a:prstGeom prst="rect">
+            <a:avLst/>
+          </a:prstGeom>
+        </p:spPr>
+      </p:pic>
+      <p:pic>
+        <p:nvPicPr>
+          <p:cNvPr id="7" name="Picture 6"/>
+          <p:cNvPicPr>
+            <a:picLocks noChangeAspect="1"/>
+          </p:cNvPicPr>
+          <p:nvPr/>
+        </p:nvPicPr>
+        <p:blipFill>
+          <a:blip r:embed="rId3"/>
+          <a:stretch>
+            <a:fillRect/>
+          </a:stretch>
+        </p:blipFill>
+        <p:spPr>
+          <a:xfrm>
+            <a:off x="6613525" y="1704340"/>
+            <a:ext cx="2613660" cy="678180"/>
+          </a:xfrm>
+          <a:prstGeom prst="rect">
+            <a:avLst/>
+          </a:prstGeom>
+        </p:spPr>
+      </p:pic>
+      <p:pic>
+        <p:nvPicPr>
+          <p:cNvPr id="9" name="Picture 8"/>
+          <p:cNvPicPr>
+            <a:picLocks noChangeAspect="1"/>
+          </p:cNvPicPr>
+          <p:nvPr/>
+        </p:nvPicPr>
+        <p:blipFill>
+          <a:blip r:embed="rId4"/>
+          <a:stretch>
+            <a:fillRect/>
+          </a:stretch>
+        </p:blipFill>
+        <p:spPr>
+          <a:xfrm>
+            <a:off x="6464935" y="2045335"/>
+            <a:ext cx="3032760" cy="952500"/>
+          </a:xfrm>
+          <a:prstGeom prst="rect">
+            <a:avLst/>
+          </a:prstGeom>
+        </p:spPr>
+      </p:pic>
+      <p:pic>
+        <p:nvPicPr>
+          <p:cNvPr id="11" name="Picture 10"/>
+          <p:cNvPicPr>
+            <a:picLocks noChangeAspect="1"/>
+          </p:cNvPicPr>
+          <p:nvPr/>
+        </p:nvPicPr>
+        <p:blipFill>
+          <a:blip r:embed="rId5"/>
+          <a:stretch>
+            <a:fillRect/>
+          </a:stretch>
+        </p:blipFill>
+        <p:spPr>
+          <a:xfrm>
+            <a:off x="6895465" y="3309620"/>
+            <a:ext cx="2049780" cy="1859280"/>
+          </a:xfrm>
+          <a:prstGeom prst="rect">
+            <a:avLst/>
+          </a:prstGeom>
+        </p:spPr>
+      </p:pic>
+      <p:pic>
+        <p:nvPicPr>
+          <p:cNvPr id="13" name="Picture 12"/>
+          <p:cNvPicPr>
+            <a:picLocks noChangeAspect="1"/>
+          </p:cNvPicPr>
+          <p:nvPr/>
+        </p:nvPicPr>
+        <p:blipFill>
+          <a:blip r:embed="rId6"/>
+          <a:stretch>
+            <a:fillRect/>
+          </a:stretch>
+        </p:blipFill>
+        <p:spPr>
+          <a:xfrm>
+            <a:off x="9817735" y="0"/>
+            <a:ext cx="6598920" cy="3383280"/>
+          </a:xfrm>
+          <a:prstGeom prst="rect">
+            <a:avLst/>
+          </a:prstGeom>
+        </p:spPr>
+      </p:pic>
+      <p:pic>
+        <p:nvPicPr>
+          <p:cNvPr id="15" name="Picture 14"/>
+          <p:cNvPicPr>
+            <a:picLocks noChangeAspect="1"/>
+          </p:cNvPicPr>
+          <p:nvPr/>
+        </p:nvPicPr>
+        <p:blipFill>
+          <a:blip r:embed="rId7"/>
+          <a:stretch>
+            <a:fillRect/>
+          </a:stretch>
+        </p:blipFill>
+        <p:spPr>
+          <a:xfrm>
+            <a:off x="10011410" y="3576955"/>
+            <a:ext cx="4640580" cy="2933700"/>
+          </a:xfrm>
+          <a:prstGeom prst="rect">
+            <a:avLst/>
+          </a:prstGeom>
+        </p:spPr>
+      </p:pic>
+      <p:pic>
+        <p:nvPicPr>
+          <p:cNvPr id="17" name="Content Placeholder 16"/>
+          <p:cNvPicPr>
+            <a:picLocks noChangeAspect="1"/>
+          </p:cNvPicPr>
+          <p:nvPr>
+            <p:ph idx="1"/>
+          </p:nvPr>
+        </p:nvPicPr>
+        <p:blipFill>
+          <a:blip r:embed="rId8"/>
+          <a:stretch>
+            <a:fillRect/>
+          </a:stretch>
+        </p:blipFill>
+        <p:spPr>
+          <a:xfrm>
+            <a:off x="16416655" y="0"/>
+            <a:ext cx="4930140" cy="4061460"/>
+          </a:xfrm>
+          <a:prstGeom prst="rect">
+            <a:avLst/>
+          </a:prstGeom>
+        </p:spPr>
+      </p:pic>
+      <p:pic>
+        <p:nvPicPr>
+          <p:cNvPr id="19" name="Picture 18"/>
+          <p:cNvPicPr>
+            <a:picLocks noChangeAspect="1"/>
+          </p:cNvPicPr>
+          <p:nvPr/>
+        </p:nvPicPr>
+        <p:blipFill>
+          <a:blip r:embed="rId9"/>
+          <a:stretch>
+            <a:fillRect/>
+          </a:stretch>
+        </p:blipFill>
+        <p:spPr>
+          <a:xfrm>
+            <a:off x="16416655" y="4305935"/>
+            <a:ext cx="7078980" cy="1973580"/>
+          </a:xfrm>
+          <a:prstGeom prst="rect">
+            <a:avLst/>
+          </a:prstGeom>
+        </p:spPr>
+      </p:pic>
+    </p:spTree>
+  </p:cSld>
+  <p:clrMapOvr>
+    <a:masterClrMapping/>
+  </p:clrMapOvr>
+</p:sld>
+</file>
+
+<file path=ppt/slides/slide24.xml><?xml version="1.0" encoding="utf-8"?>
+<p:sld xmlns:a="http://schemas.openxmlformats.org/drawingml/2006/main" xmlns:r="http://schemas.openxmlformats.org/officeDocument/2006/relationships" xmlns:p="http://schemas.openxmlformats.org/presentationml/2006/main">
+  <p:cSld>
+    <p:spTree>
+      <p:nvGrpSpPr>
+        <p:cNvPr id="1" name=""/>
+        <p:cNvGrpSpPr/>
+        <p:nvPr/>
+      </p:nvGrpSpPr>
+      <p:grpSpPr/>
+      <p:pic>
+        <p:nvPicPr>
+          <p:cNvPr id="4" name="Picture 3"/>
+          <p:cNvPicPr>
+            <a:picLocks noChangeAspect="1"/>
+          </p:cNvPicPr>
+          <p:nvPr/>
+        </p:nvPicPr>
+        <p:blipFill>
+          <a:blip r:embed="rId1"/>
+          <a:stretch>
+            <a:fillRect/>
+          </a:stretch>
+        </p:blipFill>
+        <p:spPr>
+          <a:xfrm>
+            <a:off x="647065" y="438150"/>
+            <a:ext cx="4754880" cy="3672840"/>
+          </a:xfrm>
+          <a:prstGeom prst="rect">
+            <a:avLst/>
+          </a:prstGeom>
+        </p:spPr>
+      </p:pic>
+      <p:pic>
+        <p:nvPicPr>
+          <p:cNvPr id="6" name="Picture 5"/>
+          <p:cNvPicPr>
+            <a:picLocks noChangeAspect="1"/>
+          </p:cNvPicPr>
+          <p:nvPr/>
+        </p:nvPicPr>
+        <p:blipFill>
+          <a:blip r:embed="rId2"/>
+          <a:stretch>
+            <a:fillRect/>
+          </a:stretch>
+        </p:blipFill>
+        <p:spPr>
+          <a:xfrm>
+            <a:off x="363855" y="4547870"/>
+            <a:ext cx="4213860" cy="3497580"/>
+          </a:xfrm>
+          <a:prstGeom prst="rect">
+            <a:avLst/>
+          </a:prstGeom>
+        </p:spPr>
+      </p:pic>
+      <p:pic>
+        <p:nvPicPr>
+          <p:cNvPr id="8" name="Picture 7"/>
+          <p:cNvPicPr>
+            <a:picLocks noChangeAspect="1"/>
+          </p:cNvPicPr>
+          <p:nvPr/>
+        </p:nvPicPr>
+        <p:blipFill>
+          <a:blip r:embed="rId3"/>
+          <a:stretch>
+            <a:fillRect/>
+          </a:stretch>
+        </p:blipFill>
+        <p:spPr>
+          <a:xfrm>
+            <a:off x="5956300" y="438150"/>
+            <a:ext cx="3649980" cy="3063240"/>
+          </a:xfrm>
+          <a:prstGeom prst="rect">
+            <a:avLst/>
+          </a:prstGeom>
+        </p:spPr>
+      </p:pic>
+      <p:pic>
+        <p:nvPicPr>
+          <p:cNvPr id="10" name="Picture 9"/>
+          <p:cNvPicPr>
+            <a:picLocks noChangeAspect="1"/>
+          </p:cNvPicPr>
+          <p:nvPr/>
+        </p:nvPicPr>
+        <p:blipFill>
+          <a:blip r:embed="rId4"/>
+          <a:stretch>
+            <a:fillRect/>
+          </a:stretch>
+        </p:blipFill>
+        <p:spPr>
+          <a:xfrm>
+            <a:off x="5624830" y="4048760"/>
+            <a:ext cx="4312920" cy="4495800"/>
+          </a:xfrm>
+          <a:prstGeom prst="rect">
+            <a:avLst/>
+          </a:prstGeom>
+        </p:spPr>
+      </p:pic>
+      <p:pic>
+        <p:nvPicPr>
+          <p:cNvPr id="12" name="Picture 11"/>
+          <p:cNvPicPr>
+            <a:picLocks noChangeAspect="1"/>
+          </p:cNvPicPr>
+          <p:nvPr/>
+        </p:nvPicPr>
+        <p:blipFill>
+          <a:blip r:embed="rId4"/>
+          <a:stretch>
+            <a:fillRect/>
+          </a:stretch>
+        </p:blipFill>
+        <p:spPr>
+          <a:xfrm>
+            <a:off x="5751830" y="4175760"/>
+            <a:ext cx="4312920" cy="4495800"/>
+          </a:xfrm>
+          <a:prstGeom prst="rect">
+            <a:avLst/>
+          </a:prstGeom>
+        </p:spPr>
+      </p:pic>
+      <p:pic>
+        <p:nvPicPr>
+          <p:cNvPr id="14" name="Picture 13"/>
+          <p:cNvPicPr>
+            <a:picLocks noChangeAspect="1"/>
+          </p:cNvPicPr>
+          <p:nvPr/>
+        </p:nvPicPr>
+        <p:blipFill>
+          <a:blip r:embed="rId5"/>
+          <a:stretch>
+            <a:fillRect/>
+          </a:stretch>
+        </p:blipFill>
+        <p:spPr>
+          <a:xfrm>
+            <a:off x="10618470" y="4404995"/>
+            <a:ext cx="4671060" cy="4930140"/>
+          </a:xfrm>
+          <a:prstGeom prst="rect">
+            <a:avLst/>
+          </a:prstGeom>
+        </p:spPr>
+      </p:pic>
+      <p:pic>
+        <p:nvPicPr>
+          <p:cNvPr id="16" name="Picture 15"/>
+          <p:cNvPicPr>
+            <a:picLocks noChangeAspect="1"/>
+          </p:cNvPicPr>
+          <p:nvPr/>
+        </p:nvPicPr>
+        <p:blipFill>
+          <a:blip r:embed="rId6"/>
+          <a:stretch>
+            <a:fillRect/>
+          </a:stretch>
+        </p:blipFill>
+        <p:spPr>
+          <a:xfrm>
+            <a:off x="15620365" y="4305935"/>
+            <a:ext cx="4564380" cy="5029200"/>
+          </a:xfrm>
+          <a:prstGeom prst="rect">
+            <a:avLst/>
+          </a:prstGeom>
+        </p:spPr>
+      </p:pic>
+    </p:spTree>
+  </p:cSld>
+  <p:clrMapOvr>
+    <a:masterClrMapping/>
+  </p:clrMapOvr>
+</p:sld>
+</file>
+
+<file path=ppt/slides/slide25.xml><?xml version="1.0" encoding="utf-8"?>
+<p:sld xmlns:a="http://schemas.openxmlformats.org/drawingml/2006/main" xmlns:r="http://schemas.openxmlformats.org/officeDocument/2006/relationships" xmlns:p="http://schemas.openxmlformats.org/presentationml/2006/main">
+  <p:cSld>
+    <p:spTree>
+      <p:nvGrpSpPr>
+        <p:cNvPr id="1" name=""/>
+        <p:cNvGrpSpPr/>
+        <p:nvPr/>
+      </p:nvGrpSpPr>
+      <p:grpSpPr/>
+      <p:pic>
+        <p:nvPicPr>
+          <p:cNvPr id="4" name="Picture 3"/>
+          <p:cNvPicPr>
+            <a:picLocks noChangeAspect="1"/>
+          </p:cNvPicPr>
+          <p:nvPr/>
+        </p:nvPicPr>
+        <p:blipFill>
+          <a:blip r:embed="rId1"/>
+          <a:stretch>
+            <a:fillRect/>
+          </a:stretch>
+        </p:blipFill>
+        <p:spPr>
+          <a:xfrm>
+            <a:off x="-514350" y="0"/>
+            <a:ext cx="5844540" cy="4610100"/>
+          </a:xfrm>
+          <a:prstGeom prst="rect">
+            <a:avLst/>
+          </a:prstGeom>
+        </p:spPr>
+      </p:pic>
+      <p:pic>
+        <p:nvPicPr>
+          <p:cNvPr id="6" name="Picture 5"/>
+          <p:cNvPicPr>
+            <a:picLocks noChangeAspect="1"/>
+          </p:cNvPicPr>
+          <p:nvPr/>
+        </p:nvPicPr>
+        <p:blipFill>
+          <a:blip r:embed="rId2"/>
+          <a:stretch>
+            <a:fillRect/>
+          </a:stretch>
+        </p:blipFill>
+        <p:spPr>
+          <a:xfrm>
+            <a:off x="-201930" y="4610100"/>
+            <a:ext cx="4366260" cy="1813560"/>
+          </a:xfrm>
+          <a:prstGeom prst="rect">
+            <a:avLst/>
+          </a:prstGeom>
+        </p:spPr>
+      </p:pic>
+      <p:pic>
+        <p:nvPicPr>
+          <p:cNvPr id="8" name="Picture 7"/>
+          <p:cNvPicPr>
+            <a:picLocks noChangeAspect="1"/>
+          </p:cNvPicPr>
+          <p:nvPr/>
+        </p:nvPicPr>
+        <p:blipFill>
+          <a:blip r:embed="rId3"/>
+          <a:stretch>
+            <a:fillRect/>
+          </a:stretch>
+        </p:blipFill>
+        <p:spPr>
+          <a:xfrm>
+            <a:off x="5981700" y="220980"/>
+            <a:ext cx="4008120" cy="4709160"/>
+          </a:xfrm>
+          <a:prstGeom prst="rect">
+            <a:avLst/>
+          </a:prstGeom>
+        </p:spPr>
+      </p:pic>
+    </p:spTree>
+  </p:cSld>
+  <p:clrMapOvr>
+    <a:masterClrMapping/>
+  </p:clrMapOvr>
+</p:sld>
+</file>
+
+<file path=ppt/slides/slide26.xml><?xml version="1.0" encoding="utf-8"?>
+<p:sld xmlns:a="http://schemas.openxmlformats.org/drawingml/2006/main" xmlns:r="http://schemas.openxmlformats.org/officeDocument/2006/relationships" xmlns:p="http://schemas.openxmlformats.org/presentationml/2006/main">
+  <p:cSld>
+    <p:spTree>
+      <p:nvGrpSpPr>
+        <p:cNvPr id="1" name=""/>
+        <p:cNvGrpSpPr/>
+        <p:nvPr/>
+      </p:nvGrpSpPr>
+      <p:grpSpPr/>
+      <p:sp>
+        <p:nvSpPr>
+          <p:cNvPr id="8" name="Title 7"/>
+          <p:cNvSpPr>
+            <a:spLocks noGrp="1"/>
+          </p:cNvSpPr>
+          <p:nvPr>
+            <p:ph type="title"/>
+          </p:nvPr>
+        </p:nvSpPr>
+        <p:spPr/>
+        <p:txBody>
+          <a:bodyPr/>
+          <a:p>
+            <a:endParaRPr lang="en-US"/>
+          </a:p>
+        </p:txBody>
+      </p:sp>
+      <p:pic>
+        <p:nvPicPr>
+          <p:cNvPr id="4" name="Picture 3"/>
+          <p:cNvPicPr>
+            <a:picLocks noChangeAspect="1"/>
+          </p:cNvPicPr>
+          <p:nvPr/>
+        </p:nvPicPr>
+        <p:blipFill>
+          <a:blip r:embed="rId1"/>
+          <a:stretch>
+            <a:fillRect/>
+          </a:stretch>
+        </p:blipFill>
+        <p:spPr>
+          <a:xfrm>
+            <a:off x="8290560" y="-678815"/>
+            <a:ext cx="7315200" cy="3413760"/>
+          </a:xfrm>
+          <a:prstGeom prst="rect">
+            <a:avLst/>
+          </a:prstGeom>
+        </p:spPr>
+      </p:pic>
+      <p:pic>
+        <p:nvPicPr>
+          <p:cNvPr id="10" name="Picture 9"/>
+          <p:cNvPicPr>
+            <a:picLocks noChangeAspect="1"/>
+          </p:cNvPicPr>
+          <p:nvPr/>
+        </p:nvPicPr>
+        <p:blipFill>
+          <a:blip r:embed="rId2"/>
+          <a:stretch>
+            <a:fillRect/>
+          </a:stretch>
+        </p:blipFill>
+        <p:spPr>
+          <a:xfrm>
+            <a:off x="342900" y="0"/>
+            <a:ext cx="6545580" cy="4533900"/>
+          </a:xfrm>
+          <a:prstGeom prst="rect">
+            <a:avLst/>
+          </a:prstGeom>
+        </p:spPr>
+      </p:pic>
+      <p:pic>
+        <p:nvPicPr>
+          <p:cNvPr id="7" name="Content Placeholder 6"/>
+          <p:cNvPicPr>
+            <a:picLocks noChangeAspect="1"/>
+          </p:cNvPicPr>
+          <p:nvPr>
+            <p:ph idx="1"/>
+          </p:nvPr>
+        </p:nvPicPr>
+        <p:blipFill>
+          <a:blip r:embed="rId3"/>
+          <a:stretch>
+            <a:fillRect/>
+          </a:stretch>
+        </p:blipFill>
+        <p:spPr>
+          <a:xfrm>
+            <a:off x="8739505" y="3136265"/>
+            <a:ext cx="6417310" cy="4351655"/>
+          </a:xfrm>
+          <a:prstGeom prst="rect">
+            <a:avLst/>
+          </a:prstGeom>
+        </p:spPr>
+      </p:pic>
+      <p:pic>
+        <p:nvPicPr>
+          <p:cNvPr id="9" name="Picture 8"/>
+          <p:cNvPicPr>
+            <a:picLocks noChangeAspect="1"/>
+          </p:cNvPicPr>
+          <p:nvPr/>
+        </p:nvPicPr>
+        <p:blipFill>
+          <a:blip r:embed="rId4"/>
+          <a:stretch>
+            <a:fillRect/>
+          </a:stretch>
+        </p:blipFill>
+        <p:spPr>
+          <a:xfrm>
+            <a:off x="8924290" y="7631430"/>
+            <a:ext cx="5676900" cy="3002280"/>
+          </a:xfrm>
+          <a:prstGeom prst="rect">
+            <a:avLst/>
+          </a:prstGeom>
+        </p:spPr>
+      </p:pic>
+      <p:pic>
+        <p:nvPicPr>
+          <p:cNvPr id="12" name="Picture 11"/>
+          <p:cNvPicPr>
+            <a:picLocks noChangeAspect="1"/>
+          </p:cNvPicPr>
+          <p:nvPr/>
+        </p:nvPicPr>
+        <p:blipFill>
+          <a:blip r:embed="rId5"/>
+          <a:stretch>
+            <a:fillRect/>
+          </a:stretch>
+        </p:blipFill>
+        <p:spPr>
+          <a:xfrm>
+            <a:off x="9410700" y="10633710"/>
+            <a:ext cx="7208520" cy="3665220"/>
+          </a:xfrm>
+          <a:prstGeom prst="rect">
+            <a:avLst/>
+          </a:prstGeom>
+        </p:spPr>
+      </p:pic>
+      <p:pic>
+        <p:nvPicPr>
+          <p:cNvPr id="14" name="Picture 13"/>
+          <p:cNvPicPr>
+            <a:picLocks noChangeAspect="1"/>
+          </p:cNvPicPr>
+          <p:nvPr/>
+        </p:nvPicPr>
+        <p:blipFill>
+          <a:blip r:embed="rId6"/>
+          <a:stretch>
+            <a:fillRect/>
+          </a:stretch>
+        </p:blipFill>
+        <p:spPr>
+          <a:xfrm>
+            <a:off x="8924290" y="14298930"/>
+            <a:ext cx="6720840" cy="2423160"/>
+          </a:xfrm>
+          <a:prstGeom prst="rect">
+            <a:avLst/>
+          </a:prstGeom>
+        </p:spPr>
+      </p:pic>
+      <p:pic>
+        <p:nvPicPr>
+          <p:cNvPr id="16" name="Picture 15"/>
+          <p:cNvPicPr>
+            <a:picLocks noChangeAspect="1"/>
+          </p:cNvPicPr>
+          <p:nvPr/>
+        </p:nvPicPr>
+        <p:blipFill>
+          <a:blip r:embed="rId7"/>
+          <a:stretch>
+            <a:fillRect/>
+          </a:stretch>
+        </p:blipFill>
+        <p:spPr>
+          <a:xfrm>
+            <a:off x="9168130" y="16722090"/>
+            <a:ext cx="5189220" cy="2926080"/>
+          </a:xfrm>
+          <a:prstGeom prst="rect">
+            <a:avLst/>
+          </a:prstGeom>
+        </p:spPr>
+      </p:pic>
+    </p:spTree>
+  </p:cSld>
+  <p:clrMapOvr>
+    <a:masterClrMapping/>
+  </p:clrMapOvr>
+</p:sld>
+</file>
+
+<file path=ppt/slides/slide27.xml><?xml version="1.0" encoding="utf-8"?>
+<p:sld xmlns:a="http://schemas.openxmlformats.org/drawingml/2006/main" xmlns:r="http://schemas.openxmlformats.org/officeDocument/2006/relationships" xmlns:p="http://schemas.openxmlformats.org/presentationml/2006/main">
+  <p:cSld>
+    <p:spTree>
+      <p:nvGrpSpPr>
+        <p:cNvPr id="1" name=""/>
+        <p:cNvGrpSpPr/>
+        <p:nvPr/>
+      </p:nvGrpSpPr>
+      <p:grpSpPr/>
+      <p:sp>
+        <p:nvSpPr>
+          <p:cNvPr id="4" name="Text Box 3"/>
+          <p:cNvSpPr txBox="1"/>
+          <p:nvPr/>
+        </p:nvSpPr>
+        <p:spPr>
+          <a:xfrm>
+            <a:off x="376555" y="1443990"/>
+            <a:ext cx="4581525" cy="2030095"/>
+          </a:xfrm>
+          <a:prstGeom prst="rect">
+            <a:avLst/>
+          </a:prstGeom>
+          <a:noFill/>
+          <a:ln>
+            <a:solidFill>
+              <a:schemeClr val="accent1"/>
+            </a:solidFill>
+          </a:ln>
+        </p:spPr>
+        <p:txBody>
+          <a:bodyPr wrap="square" rtlCol="0" anchor="t">
+            <a:spAutoFit/>
+          </a:bodyPr>
+          <a:p>
+            <a:r>
+              <a:rPr lang="en-US"/>
+              <a:t>Album -&gt; tracks, artists, genre</a:t>
+            </a:r>
+            <a:endParaRPr lang="en-US"/>
+          </a:p>
+          <a:p>
+            <a:r>
+              <a:rPr lang="en-US"/>
+              <a:t>Artist -&gt; albums, genres -&gt; top tracks</a:t>
+            </a:r>
+            <a:endParaRPr lang="en-US"/>
+          </a:p>
+          <a:p>
+            <a:r>
+              <a:rPr lang="en-US"/>
+              <a:t>Genre -&gt; parent, child genre</a:t>
+            </a:r>
+            <a:endParaRPr lang="en-US"/>
+          </a:p>
+          <a:p>
+            <a:r>
+              <a:rPr lang="en-US"/>
+              <a:t>Playlist -&gt; tracks</a:t>
+            </a:r>
+            <a:endParaRPr lang="en-US"/>
+          </a:p>
+          <a:p>
+            <a:r>
+              <a:rPr lang="en-US"/>
+              <a:t>Tracks -&gt; all song details</a:t>
+            </a:r>
+            <a:endParaRPr lang="en-US"/>
+          </a:p>
+          <a:p>
+            <a:endParaRPr lang="en-US"/>
+          </a:p>
+          <a:p>
+            <a:endParaRPr lang="en-US"/>
+          </a:p>
+        </p:txBody>
+      </p:sp>
+      <p:sp>
+        <p:nvSpPr>
+          <p:cNvPr id="5" name="Text Box 4"/>
+          <p:cNvSpPr txBox="1"/>
+          <p:nvPr/>
+        </p:nvSpPr>
+        <p:spPr>
+          <a:xfrm>
+            <a:off x="5518150" y="336550"/>
+            <a:ext cx="5471160" cy="6185535"/>
+          </a:xfrm>
+          <a:prstGeom prst="rect">
+            <a:avLst/>
+          </a:prstGeom>
+          <a:noFill/>
+          <a:ln>
+            <a:solidFill>
+              <a:schemeClr val="accent1"/>
+            </a:solidFill>
+          </a:ln>
+        </p:spPr>
+        <p:txBody>
+          <a:bodyPr wrap="square" rtlCol="0">
+            <a:spAutoFit/>
+          </a:bodyPr>
+          <a:p>
+            <a:pPr algn="l"/>
+            <a:r>
+              <a:rPr lang="en-US">
+                <a:highlight>
+                  <a:srgbClr val="FFFF00"/>
+                </a:highlight>
+                <a:sym typeface="+mn-ea"/>
+              </a:rPr>
+              <a:t>General:</a:t>
+            </a:r>
+            <a:endParaRPr lang="en-US">
+              <a:highlight>
+                <a:srgbClr val="FFFF00"/>
+              </a:highlight>
+            </a:endParaRPr>
+          </a:p>
+          <a:p>
+            <a:pPr algn="l"/>
+            <a:r>
+              <a:rPr lang="en-US">
+                <a:sym typeface="+mn-ea"/>
+              </a:rPr>
+              <a:t>album - new, top - tracks</a:t>
+            </a:r>
+            <a:endParaRPr lang="en-US"/>
+          </a:p>
+          <a:p>
+            <a:pPr algn="l"/>
+            <a:r>
+              <a:rPr lang="en-US">
+                <a:sym typeface="+mn-ea"/>
+              </a:rPr>
+              <a:t>tracks - top</a:t>
+            </a:r>
+            <a:endParaRPr lang="en-US"/>
+          </a:p>
+          <a:p>
+            <a:pPr algn="l"/>
+            <a:endParaRPr lang="en-US"/>
+          </a:p>
+          <a:p>
+            <a:pPr algn="l"/>
+            <a:r>
+              <a:rPr lang="en-US">
+                <a:highlight>
+                  <a:srgbClr val="FFFF00"/>
+                </a:highlight>
+                <a:sym typeface="+mn-ea"/>
+              </a:rPr>
+              <a:t>Artists:</a:t>
+            </a:r>
+            <a:endParaRPr lang="en-US">
+              <a:highlight>
+                <a:srgbClr val="FFFF00"/>
+              </a:highlight>
+            </a:endParaRPr>
+          </a:p>
+          <a:p>
+            <a:pPr algn="l"/>
+            <a:r>
+              <a:rPr lang="en-US">
+                <a:sym typeface="+mn-ea"/>
+              </a:rPr>
+              <a:t>album - new, top - tracks</a:t>
+            </a:r>
+            <a:endParaRPr lang="en-US"/>
+          </a:p>
+          <a:p>
+            <a:pPr algn="l"/>
+            <a:r>
+              <a:rPr lang="en-US">
+                <a:sym typeface="+mn-ea"/>
+              </a:rPr>
+              <a:t>tracks - top</a:t>
+            </a:r>
+            <a:endParaRPr lang="en-US"/>
+          </a:p>
+          <a:p>
+            <a:pPr algn="l"/>
+            <a:endParaRPr lang="en-US"/>
+          </a:p>
+          <a:p>
+            <a:pPr algn="l"/>
+            <a:r>
+              <a:rPr lang="en-US">
+                <a:sym typeface="+mn-ea"/>
+              </a:rPr>
+              <a:t>Genre:</a:t>
+            </a:r>
+            <a:endParaRPr lang="en-US"/>
+          </a:p>
+          <a:p>
+            <a:pPr algn="l"/>
+            <a:r>
+              <a:rPr lang="en-US">
+                <a:sym typeface="+mn-ea"/>
+              </a:rPr>
+              <a:t>artist - top</a:t>
+            </a:r>
+            <a:endParaRPr lang="en-US"/>
+          </a:p>
+          <a:p>
+            <a:pPr algn="l"/>
+            <a:r>
+              <a:rPr lang="en-US">
+                <a:sym typeface="+mn-ea"/>
+              </a:rPr>
+              <a:t>album - top</a:t>
+            </a:r>
+            <a:endParaRPr lang="en-US"/>
+          </a:p>
+          <a:p>
+            <a:pPr algn="l"/>
+            <a:r>
+              <a:rPr lang="en-US">
+                <a:sym typeface="+mn-ea"/>
+              </a:rPr>
+              <a:t>tracks - top</a:t>
+            </a:r>
+            <a:endParaRPr lang="en-US"/>
+          </a:p>
+          <a:p>
+            <a:pPr algn="l"/>
+            <a:r>
+              <a:rPr lang="en-US">
+                <a:sym typeface="+mn-ea"/>
+              </a:rPr>
+              <a:t>playlist - top</a:t>
+            </a:r>
+            <a:endParaRPr lang="en-US"/>
+          </a:p>
+          <a:p>
+            <a:pPr algn="l"/>
+            <a:r>
+              <a:rPr lang="en-US">
+                <a:sym typeface="+mn-ea"/>
+              </a:rPr>
+              <a:t>new releases</a:t>
+            </a:r>
+            <a:endParaRPr lang="en-US"/>
+          </a:p>
+          <a:p>
+            <a:pPr algn="l"/>
+            <a:endParaRPr lang="en-US"/>
+          </a:p>
+          <a:p>
+            <a:pPr algn="l"/>
+            <a:r>
+              <a:rPr lang="en-US">
+                <a:sym typeface="+mn-ea"/>
+              </a:rPr>
+              <a:t>Tracks:</a:t>
+            </a:r>
+            <a:endParaRPr lang="en-US"/>
+          </a:p>
+          <a:p>
+            <a:pPr algn="l"/>
+            <a:r>
+              <a:rPr lang="en-US">
+                <a:sym typeface="+mn-ea"/>
+              </a:rPr>
+              <a:t>range and limit</a:t>
+            </a:r>
+            <a:endParaRPr lang="en-US"/>
+          </a:p>
+          <a:p>
+            <a:pPr algn="l"/>
+            <a:endParaRPr lang="en-US"/>
+          </a:p>
+          <a:p>
+            <a:pPr algn="l"/>
+            <a:r>
+              <a:rPr lang="en-US">
+                <a:sym typeface="+mn-ea"/>
+              </a:rPr>
+              <a:t>Playlists: Top</a:t>
+            </a:r>
+            <a:endParaRPr lang="en-US"/>
+          </a:p>
+          <a:p>
+            <a:pPr algn="l"/>
+            <a:endParaRPr lang="en-US"/>
+          </a:p>
+          <a:p>
+            <a:pPr algn="l"/>
+            <a:r>
+              <a:rPr lang="en-US">
+                <a:sym typeface="+mn-ea"/>
+              </a:rPr>
+              <a:t>Stations: top</a:t>
+            </a:r>
+            <a:endParaRPr lang="en-US"/>
+          </a:p>
+          <a:p>
+            <a:endParaRPr lang="en-US"/>
+          </a:p>
+        </p:txBody>
+      </p:sp>
+    </p:spTree>
+  </p:cSld>
+  <p:clrMapOvr>
+    <a:masterClrMapping/>
+  </p:clrMapOvr>
+</p:sld>
+</file>
+
+<file path=ppt/slides/slide28.xml><?xml version="1.0" encoding="utf-8"?>
+<p:sld xmlns:a="http://schemas.openxmlformats.org/drawingml/2006/main" xmlns:r="http://schemas.openxmlformats.org/officeDocument/2006/relationships" xmlns:p="http://schemas.openxmlformats.org/presentationml/2006/main">
+  <p:cSld>
+    <p:spTree>
+      <p:nvGrpSpPr>
+        <p:cNvPr id="1" name=""/>
+        <p:cNvGrpSpPr/>
+        <p:nvPr/>
+      </p:nvGrpSpPr>
+      <p:grpSpPr/>
+      <p:pic>
+        <p:nvPicPr>
+          <p:cNvPr id="24" name="Content Placeholder 23"/>
+          <p:cNvPicPr>
+            <a:picLocks noChangeAspect="1"/>
+          </p:cNvPicPr>
+          <p:nvPr>
+            <p:ph sz="half" idx="2"/>
+          </p:nvPr>
+        </p:nvPicPr>
+        <p:blipFill>
+          <a:blip r:embed="rId1"/>
+          <a:stretch>
+            <a:fillRect/>
+          </a:stretch>
+        </p:blipFill>
+        <p:spPr>
+          <a:xfrm>
+            <a:off x="1313815" y="-1303020"/>
+            <a:ext cx="10113645" cy="2135505"/>
+          </a:xfrm>
+          <a:prstGeom prst="rect">
+            <a:avLst/>
+          </a:prstGeom>
+        </p:spPr>
+      </p:pic>
+      <p:sp>
+        <p:nvSpPr>
+          <p:cNvPr id="4" name="Text Box 3"/>
+          <p:cNvSpPr txBox="1"/>
+          <p:nvPr/>
+        </p:nvSpPr>
+        <p:spPr>
+          <a:xfrm>
+            <a:off x="621030" y="-1946275"/>
+            <a:ext cx="790575" cy="368300"/>
+          </a:xfrm>
+          <a:prstGeom prst="rect">
+            <a:avLst/>
+          </a:prstGeom>
+          <a:noFill/>
+        </p:spPr>
+        <p:txBody>
+          <a:bodyPr wrap="none" rtlCol="0">
+            <a:spAutoFit/>
+          </a:bodyPr>
+          <a:p>
+            <a:r>
+              <a:rPr lang="en-US"/>
+              <a:t>Album</a:t>
+            </a:r>
+            <a:endParaRPr lang="en-US"/>
+          </a:p>
+        </p:txBody>
+      </p:sp>
+      <p:sp>
+        <p:nvSpPr>
+          <p:cNvPr id="5" name="Text Box 4"/>
+          <p:cNvSpPr txBox="1"/>
+          <p:nvPr/>
+        </p:nvSpPr>
+        <p:spPr>
+          <a:xfrm>
+            <a:off x="1313815" y="-1577975"/>
+            <a:ext cx="605790" cy="368300"/>
+          </a:xfrm>
+          <a:prstGeom prst="rect">
+            <a:avLst/>
+          </a:prstGeom>
+          <a:noFill/>
+        </p:spPr>
+        <p:txBody>
+          <a:bodyPr wrap="none" rtlCol="0">
+            <a:spAutoFit/>
+          </a:bodyPr>
+          <a:p>
+            <a:r>
+              <a:rPr lang="en-US"/>
+              <a:t>New</a:t>
+            </a:r>
+            <a:endParaRPr lang="en-US"/>
+          </a:p>
+        </p:txBody>
+      </p:sp>
+      <p:pic>
+        <p:nvPicPr>
+          <p:cNvPr id="6" name="Content Placeholder 23"/>
+          <p:cNvPicPr>
+            <a:picLocks noChangeAspect="1"/>
+          </p:cNvPicPr>
+          <p:nvPr/>
+        </p:nvPicPr>
+        <p:blipFill>
+          <a:blip r:embed="rId1"/>
+          <a:stretch>
+            <a:fillRect/>
+          </a:stretch>
+        </p:blipFill>
+        <p:spPr>
+          <a:xfrm>
+            <a:off x="1313815" y="1107440"/>
+            <a:ext cx="10113645" cy="2135505"/>
+          </a:xfrm>
+          <a:prstGeom prst="rect">
+            <a:avLst/>
+          </a:prstGeom>
+        </p:spPr>
+      </p:pic>
+      <p:sp>
+        <p:nvSpPr>
+          <p:cNvPr id="7" name="Text Box 6"/>
+          <p:cNvSpPr txBox="1"/>
+          <p:nvPr/>
+        </p:nvSpPr>
+        <p:spPr>
+          <a:xfrm>
+            <a:off x="1313815" y="832485"/>
+            <a:ext cx="514350" cy="368300"/>
+          </a:xfrm>
+          <a:prstGeom prst="rect">
+            <a:avLst/>
+          </a:prstGeom>
+          <a:noFill/>
+        </p:spPr>
+        <p:txBody>
+          <a:bodyPr wrap="none" rtlCol="0">
+            <a:spAutoFit/>
+          </a:bodyPr>
+          <a:p>
+            <a:r>
+              <a:rPr lang="en-US"/>
+              <a:t>Top</a:t>
+            </a:r>
+            <a:endParaRPr lang="en-US"/>
+          </a:p>
+        </p:txBody>
+      </p:sp>
+      <p:sp>
+        <p:nvSpPr>
+          <p:cNvPr id="10" name="Text Box 9"/>
+          <p:cNvSpPr txBox="1"/>
+          <p:nvPr/>
+        </p:nvSpPr>
+        <p:spPr>
+          <a:xfrm>
+            <a:off x="621030" y="3756660"/>
+            <a:ext cx="751205" cy="368300"/>
+          </a:xfrm>
+          <a:prstGeom prst="rect">
+            <a:avLst/>
+          </a:prstGeom>
+          <a:noFill/>
+        </p:spPr>
+        <p:txBody>
+          <a:bodyPr wrap="none" rtlCol="0">
+            <a:spAutoFit/>
+          </a:bodyPr>
+          <a:p>
+            <a:r>
+              <a:rPr lang="en-US"/>
+              <a:t>Tracks</a:t>
+            </a:r>
+            <a:endParaRPr lang="en-US"/>
+          </a:p>
+        </p:txBody>
+      </p:sp>
+      <p:pic>
+        <p:nvPicPr>
+          <p:cNvPr id="12" name="Content Placeholder 23"/>
+          <p:cNvPicPr>
+            <a:picLocks noChangeAspect="1"/>
+          </p:cNvPicPr>
+          <p:nvPr/>
+        </p:nvPicPr>
+        <p:blipFill>
+          <a:blip r:embed="rId1"/>
+          <a:stretch>
+            <a:fillRect/>
+          </a:stretch>
+        </p:blipFill>
+        <p:spPr>
+          <a:xfrm>
+            <a:off x="1313815" y="4570730"/>
+            <a:ext cx="10113645" cy="2135505"/>
+          </a:xfrm>
+          <a:prstGeom prst="rect">
+            <a:avLst/>
+          </a:prstGeom>
+        </p:spPr>
+      </p:pic>
+      <p:sp>
+        <p:nvSpPr>
+          <p:cNvPr id="13" name="Text Box 12"/>
+          <p:cNvSpPr txBox="1"/>
+          <p:nvPr/>
+        </p:nvSpPr>
+        <p:spPr>
+          <a:xfrm>
+            <a:off x="1313815" y="4180840"/>
+            <a:ext cx="514350" cy="368300"/>
+          </a:xfrm>
+          <a:prstGeom prst="rect">
+            <a:avLst/>
+          </a:prstGeom>
+          <a:noFill/>
+        </p:spPr>
+        <p:txBody>
+          <a:bodyPr wrap="none" rtlCol="0">
+            <a:spAutoFit/>
+          </a:bodyPr>
+          <a:p>
+            <a:r>
+              <a:rPr lang="en-US"/>
+              <a:t>Top</a:t>
+            </a:r>
+            <a:endParaRPr lang="en-US"/>
+          </a:p>
+        </p:txBody>
+      </p:sp>
+      <p:grpSp>
+        <p:nvGrpSpPr>
+          <p:cNvPr id="17" name="Group 16"/>
+          <p:cNvGrpSpPr/>
+          <p:nvPr/>
+        </p:nvGrpSpPr>
+        <p:grpSpPr>
+          <a:xfrm>
+            <a:off x="1313815" y="-4640580"/>
+            <a:ext cx="11399520" cy="2103120"/>
+            <a:chOff x="2069" y="-7308"/>
+            <a:chExt cx="17952" cy="3312"/>
+          </a:xfrm>
+        </p:grpSpPr>
+        <p:pic>
+          <p:nvPicPr>
+            <p:cNvPr id="14" name="Picture 13"/>
+            <p:cNvPicPr>
+              <a:picLocks noChangeAspect="1"/>
+            </p:cNvPicPr>
+            <p:nvPr/>
+          </p:nvPicPr>
+          <p:blipFill>
+            <a:blip r:embed="rId2"/>
+            <a:stretch>
+              <a:fillRect/>
+            </a:stretch>
+          </p:blipFill>
+          <p:spPr>
+            <a:xfrm>
+              <a:off x="2069" y="-7308"/>
+              <a:ext cx="8976" cy="3312"/>
+            </a:xfrm>
+            <a:prstGeom prst="rect">
+              <a:avLst/>
+            </a:prstGeom>
+          </p:spPr>
+        </p:pic>
+        <p:pic>
+          <p:nvPicPr>
+            <p:cNvPr id="16" name="Picture 15"/>
+            <p:cNvPicPr>
+              <a:picLocks noChangeAspect="1"/>
+            </p:cNvPicPr>
+            <p:nvPr/>
+          </p:nvPicPr>
+          <p:blipFill>
+            <a:blip r:embed="rId2"/>
+            <a:stretch>
+              <a:fillRect/>
+            </a:stretch>
+          </p:blipFill>
+          <p:spPr>
+            <a:xfrm>
+              <a:off x="11045" y="-7308"/>
+              <a:ext cx="8976" cy="3312"/>
+            </a:xfrm>
+            <a:prstGeom prst="rect">
+              <a:avLst/>
+            </a:prstGeom>
+          </p:spPr>
+        </p:pic>
+      </p:grpSp>
+      <p:sp>
+        <p:nvSpPr>
+          <p:cNvPr id="19" name="Text Box 18"/>
+          <p:cNvSpPr txBox="1"/>
+          <p:nvPr/>
+        </p:nvSpPr>
+        <p:spPr>
+          <a:xfrm>
+            <a:off x="14479270" y="-1085850"/>
+            <a:ext cx="2284730" cy="922020"/>
+          </a:xfrm>
+          <a:prstGeom prst="rect">
+            <a:avLst/>
+          </a:prstGeom>
+          <a:noFill/>
+        </p:spPr>
+        <p:txBody>
+          <a:bodyPr wrap="none" rtlCol="0">
+            <a:spAutoFit/>
+          </a:bodyPr>
+          <a:p>
+            <a:r>
+              <a:rPr lang="en-US"/>
+              <a:t>Get </a:t>
+            </a:r>
+            <a:endParaRPr lang="en-US"/>
+          </a:p>
+          <a:p>
+            <a:r>
+              <a:rPr lang="en-US"/>
+              <a:t>albums list</a:t>
+            </a:r>
+            <a:endParaRPr lang="en-US"/>
+          </a:p>
+          <a:p>
+            <a:r>
+              <a:rPr lang="en-US"/>
+              <a:t>Tracks for each albums</a:t>
+            </a:r>
+            <a:endParaRPr lang="en-US"/>
+          </a:p>
+        </p:txBody>
+      </p:sp>
+    </p:spTree>
+  </p:cSld>
+  <p:clrMapOvr>
+    <a:masterClrMapping/>
+  </p:clrMapOvr>
+</p:sld>
+</file>
+
 <file path=ppt/slides/slide3.xml><?xml version="1.0" encoding="utf-8"?>
 <p:sld xmlns:a="http://schemas.openxmlformats.org/drawingml/2006/main" xmlns:r="http://schemas.openxmlformats.org/officeDocument/2006/relationships" xmlns:p="http://schemas.openxmlformats.org/presentationml/2006/main">
   <p:cSld>
@@ -7564,7 +9023,11 @@
           <a:p>
             <a:pPr algn="l"/>
             <a:r>
-              <a:rPr lang="en-US"/>
+              <a:rPr lang="en-US">
+                <a:highlight>
+                  <a:srgbClr val="FFFF00"/>
+                </a:highlight>
+              </a:rPr>
               <a:t>1. option to add music to the queue and also display the queue if user asked for it</a:t>
             </a:r>
             <a:endParaRPr lang="en-US"/>
@@ -7618,7 +9081,11 @@
           <a:p>
             <a:pPr algn="l"/>
             <a:r>
-              <a:rPr lang="en-US"/>
+              <a:rPr lang="en-US">
+                <a:highlight>
+                  <a:srgbClr val="FFFF00"/>
+                </a:highlight>
+              </a:rPr>
               <a:t>1. search option</a:t>
             </a:r>
             <a:endParaRPr lang="en-US"/>
@@ -7656,7 +9123,11 @@
           <a:p>
             <a:pPr algn="l"/>
             <a:r>
-              <a:rPr lang="en-US"/>
+              <a:rPr lang="en-US">
+                <a:highlight>
+                  <a:srgbClr val="FFFF00"/>
+                </a:highlight>
+              </a:rPr>
               <a:t>IV. Search Bar:</a:t>
             </a:r>
             <a:endParaRPr lang="en-US"/>
@@ -7710,7 +9181,11 @@
           <a:p>
             <a:pPr algn="l"/>
             <a:r>
-              <a:rPr lang="en-US"/>
+              <a:rPr lang="en-US">
+                <a:highlight>
+                  <a:srgbClr val="FFFF00"/>
+                </a:highlight>
+              </a:rPr>
               <a:t>V. Filters:</a:t>
             </a:r>
             <a:endParaRPr lang="en-US"/>
@@ -8570,6 +10045,35 @@
               <a:t>Minor animations over each component</a:t>
             </a:r>
             <a:endParaRPr lang="en-US"/>
+          </a:p>
+        </p:txBody>
+      </p:sp>
+      <p:sp>
+        <p:nvSpPr>
+          <p:cNvPr id="4" name="Text Box 3"/>
+          <p:cNvSpPr txBox="1"/>
+          <p:nvPr/>
+        </p:nvSpPr>
+        <p:spPr>
+          <a:xfrm>
+            <a:off x="838200" y="3350895"/>
+            <a:ext cx="6527800" cy="645160"/>
+          </a:xfrm>
+          <a:prstGeom prst="rect">
+            <a:avLst/>
+          </a:prstGeom>
+          <a:noFill/>
+        </p:spPr>
+        <p:txBody>
+          <a:bodyPr wrap="square" rtlCol="0" anchor="t">
+            <a:spAutoFit/>
+          </a:bodyPr>
+          <a:p>
+            <a:r>
+              <a:rPr lang="en-US" b="1"/>
+              <a:t>https://stackoverflow.com/questions/33347806/regex-through-array-of-objects</a:t>
+            </a:r>
+            <a:endParaRPr lang="en-US" b="1"/>
           </a:p>
         </p:txBody>
       </p:sp>
